--- a/CSI1002 Operating System Principles/Geraldine/Module 1 Introduction.pptx
+++ b/CSI1002 Operating System Principles/Geraldine/Module 1 Introduction.pptx
@@ -266,7 +266,7 @@
           <a:p>
             <a:fld id="{9A92D2F6-35CE-4673-BA5C-A0FFFC9C627D}" type="datetimeFigureOut">
               <a:rPr lang="en-IN" smtClean="0"/>
-              <a:t>04-10-2020</a:t>
+              <a:t>21-01-2021</a:t>
             </a:fld>
             <a:endParaRPr lang="en-IN"/>
           </a:p>
@@ -2536,7 +2536,7 @@
             <a:fld id="{1D8BD707-D9CF-40AE-B4C6-C98DA3205C09}" type="datetimeFigureOut">
               <a:rPr lang="en-US" smtClean="0"/>
               <a:pPr/>
-              <a:t>10/4/2020</a:t>
+              <a:t>1/21/2021</a:t>
             </a:fld>
             <a:endParaRPr lang="en-US"/>
           </a:p>
@@ -2701,7 +2701,7 @@
             <a:fld id="{1D8BD707-D9CF-40AE-B4C6-C98DA3205C09}" type="datetimeFigureOut">
               <a:rPr lang="en-US" smtClean="0"/>
               <a:pPr/>
-              <a:t>10/4/2020</a:t>
+              <a:t>1/21/2021</a:t>
             </a:fld>
             <a:endParaRPr lang="en-US"/>
           </a:p>
@@ -2876,7 +2876,7 @@
             <a:fld id="{1D8BD707-D9CF-40AE-B4C6-C98DA3205C09}" type="datetimeFigureOut">
               <a:rPr lang="en-US" smtClean="0"/>
               <a:pPr/>
-              <a:t>10/4/2020</a:t>
+              <a:t>1/21/2021</a:t>
             </a:fld>
             <a:endParaRPr lang="en-US"/>
           </a:p>
@@ -3213,7 +3213,7 @@
             <a:fld id="{1D8BD707-D9CF-40AE-B4C6-C98DA3205C09}" type="datetimeFigureOut">
               <a:rPr lang="en-US" smtClean="0"/>
               <a:pPr/>
-              <a:t>10/4/2020</a:t>
+              <a:t>1/21/2021</a:t>
             </a:fld>
             <a:endParaRPr lang="en-US"/>
           </a:p>
@@ -3455,7 +3455,7 @@
             <a:fld id="{1D8BD707-D9CF-40AE-B4C6-C98DA3205C09}" type="datetimeFigureOut">
               <a:rPr lang="en-US" smtClean="0"/>
               <a:pPr/>
-              <a:t>10/4/2020</a:t>
+              <a:t>1/21/2021</a:t>
             </a:fld>
             <a:endParaRPr lang="en-US"/>
           </a:p>
@@ -3737,7 +3737,7 @@
             <a:fld id="{1D8BD707-D9CF-40AE-B4C6-C98DA3205C09}" type="datetimeFigureOut">
               <a:rPr lang="en-US" smtClean="0"/>
               <a:pPr/>
-              <a:t>10/4/2020</a:t>
+              <a:t>1/21/2021</a:t>
             </a:fld>
             <a:endParaRPr lang="en-US"/>
           </a:p>
@@ -4153,7 +4153,7 @@
             <a:fld id="{1D8BD707-D9CF-40AE-B4C6-C98DA3205C09}" type="datetimeFigureOut">
               <a:rPr lang="en-US" smtClean="0"/>
               <a:pPr/>
-              <a:t>10/4/2020</a:t>
+              <a:t>1/21/2021</a:t>
             </a:fld>
             <a:endParaRPr lang="en-US"/>
           </a:p>
@@ -4267,7 +4267,7 @@
             <a:fld id="{1D8BD707-D9CF-40AE-B4C6-C98DA3205C09}" type="datetimeFigureOut">
               <a:rPr lang="en-US" smtClean="0"/>
               <a:pPr/>
-              <a:t>10/4/2020</a:t>
+              <a:t>1/21/2021</a:t>
             </a:fld>
             <a:endParaRPr lang="en-US"/>
           </a:p>
@@ -4359,7 +4359,7 @@
             <a:fld id="{1D8BD707-D9CF-40AE-B4C6-C98DA3205C09}" type="datetimeFigureOut">
               <a:rPr lang="en-US" smtClean="0"/>
               <a:pPr/>
-              <a:t>10/4/2020</a:t>
+              <a:t>1/21/2021</a:t>
             </a:fld>
             <a:endParaRPr lang="en-US"/>
           </a:p>
@@ -4631,7 +4631,7 @@
             <a:fld id="{1D8BD707-D9CF-40AE-B4C6-C98DA3205C09}" type="datetimeFigureOut">
               <a:rPr lang="en-US" smtClean="0"/>
               <a:pPr/>
-              <a:t>10/4/2020</a:t>
+              <a:t>1/21/2021</a:t>
             </a:fld>
             <a:endParaRPr lang="en-US"/>
           </a:p>
@@ -4880,7 +4880,7 @@
             <a:fld id="{1D8BD707-D9CF-40AE-B4C6-C98DA3205C09}" type="datetimeFigureOut">
               <a:rPr lang="en-US" smtClean="0"/>
               <a:pPr/>
-              <a:t>10/4/2020</a:t>
+              <a:t>1/21/2021</a:t>
             </a:fld>
             <a:endParaRPr lang="en-US"/>
           </a:p>
@@ -5088,7 +5088,7 @@
             <a:fld id="{1D8BD707-D9CF-40AE-B4C6-C98DA3205C09}" type="datetimeFigureOut">
               <a:rPr lang="en-US" smtClean="0"/>
               <a:pPr/>
-              <a:t>10/4/2020</a:t>
+              <a:t>1/21/2021</a:t>
             </a:fld>
             <a:endParaRPr lang="en-US"/>
           </a:p>
@@ -5577,7 +5577,9 @@
           </a:xfrm>
         </p:spPr>
         <p:txBody>
-          <a:bodyPr/>
+          <a:bodyPr>
+            <a:normAutofit fontScale="92500" lnSpcReduction="20000"/>
+          </a:bodyPr>
           <a:lstStyle/>
           <a:p>
             <a:pPr>
@@ -5586,7 +5588,7 @@
               </a:lnSpc>
             </a:pPr>
             <a:r>
-              <a:rPr lang="en-US" sz="1600" dirty="0"/>
+              <a:rPr lang="en-US" sz="2000" dirty="0"/>
               <a:t>Another set of OS functions exists for ensuring the efficient operation of the system itself via resource sharing</a:t>
             </a:r>
           </a:p>
@@ -5597,11 +5599,11 @@
               </a:lnSpc>
             </a:pPr>
             <a:r>
-              <a:rPr lang="en-US" sz="1600" b="1" dirty="0"/>
+              <a:rPr lang="en-US" sz="2000" b="1" dirty="0"/>
               <a:t>Resource allocation - </a:t>
             </a:r>
             <a:r>
-              <a:rPr lang="en-US" sz="1600" dirty="0"/>
+              <a:rPr lang="en-US" sz="2000" dirty="0"/>
               <a:t>When  multiple users or multiple jobs running concurrently, resources must be allocated to each of them</a:t>
             </a:r>
           </a:p>
@@ -5612,16 +5614,8 @@
               </a:lnSpc>
             </a:pPr>
             <a:r>
-              <a:rPr lang="en-US" sz="1600" dirty="0"/>
-              <a:t>Many types of resources -  Some (such as CPU </a:t>
-            </a:r>
-            <a:r>
-              <a:rPr lang="en-US" sz="1600" dirty="0" err="1"/>
-              <a:t>cycles,mainmemory</a:t>
-            </a:r>
-            <a:r>
-              <a:rPr lang="en-US" sz="1600" dirty="0"/>
-              <a:t>, and file storage) may have special allocation code, others (such as I/O devices) may have general request and release code. </a:t>
+              <a:rPr lang="en-US" sz="2000" dirty="0"/>
+              <a:t>Many types of resources -  Some (such as CPU cycles, main-memory, and file storage) may have special allocation code, others (such as I/O devices) may have general request and release code. </a:t>
             </a:r>
           </a:p>
           <a:p>
@@ -5631,11 +5625,11 @@
               </a:lnSpc>
             </a:pPr>
             <a:r>
-              <a:rPr lang="en-US" sz="1600" b="1" dirty="0"/>
+              <a:rPr lang="en-US" sz="2000" b="1" dirty="0"/>
               <a:t>Accounting -</a:t>
             </a:r>
             <a:r>
-              <a:rPr lang="en-US" sz="1600" dirty="0"/>
+              <a:rPr lang="en-US" sz="2000" dirty="0"/>
               <a:t> To keep track of which users use how much and what kinds of computer resources</a:t>
             </a:r>
           </a:p>
@@ -5646,11 +5640,11 @@
               </a:lnSpc>
             </a:pPr>
             <a:r>
-              <a:rPr lang="en-US" sz="1600" b="1" dirty="0"/>
+              <a:rPr lang="en-US" sz="2000" b="1" dirty="0"/>
               <a:t>Protection and security - </a:t>
             </a:r>
             <a:r>
-              <a:rPr lang="en-US" sz="1600" dirty="0"/>
+              <a:rPr lang="en-US" sz="2000" dirty="0"/>
               <a:t>The owners of information stored in a multiuser or networked computer system may want to control use of that information, concurrent processes should not interfere with each other</a:t>
             </a:r>
           </a:p>
@@ -5661,11 +5655,11 @@
               </a:lnSpc>
             </a:pPr>
             <a:r>
-              <a:rPr lang="en-US" sz="1600" b="1" dirty="0"/>
+              <a:rPr lang="en-US" sz="2000" b="1" dirty="0"/>
               <a:t>Protection</a:t>
             </a:r>
             <a:r>
-              <a:rPr lang="en-US" sz="1600" dirty="0"/>
+              <a:rPr lang="en-US" sz="2000" dirty="0"/>
               <a:t> involves ensuring that all access to system resources is controlled</a:t>
             </a:r>
           </a:p>
@@ -5676,11 +5670,11 @@
               </a:lnSpc>
             </a:pPr>
             <a:r>
-              <a:rPr lang="en-US" sz="1600" b="1" dirty="0"/>
+              <a:rPr lang="en-US" sz="2000" b="1" dirty="0"/>
               <a:t>Security</a:t>
             </a:r>
             <a:r>
-              <a:rPr lang="en-US" sz="1600" dirty="0"/>
+              <a:rPr lang="en-US" sz="2000" dirty="0"/>
               <a:t> of the system from outsiders requires user authentication, extends to defending external I/O devices from invalid access attempts</a:t>
             </a:r>
           </a:p>
@@ -5691,7 +5685,7 @@
               </a:lnSpc>
             </a:pPr>
             <a:r>
-              <a:rPr lang="en-US" sz="1600" dirty="0"/>
+              <a:rPr lang="en-US" sz="2000" dirty="0"/>
               <a:t>If a system is to be protected and secure, precautions must be instituted throughout it. A chain is only as strong as its weakest link.</a:t>
             </a:r>
           </a:p>
@@ -6797,13 +6791,6 @@
               <a:rPr lang="en-US" sz="1800" dirty="0"/>
               <a:t>This is particularly advantageous for vendors that want offer a consistent OS interface across an entire line of hardware platforms. </a:t>
             </a:r>
-          </a:p>
-          <a:p>
-            <a:pPr>
-              <a:lnSpc>
-                <a:spcPct val="80000"/>
-              </a:lnSpc>
-            </a:pPr>
             <a:br>
               <a:rPr lang="en-US" sz="1800" dirty="0"/>
             </a:br>
@@ -7936,7 +7923,7 @@
           <a:p>
             <a:pPr lvl="1"/>
             <a:r>
-              <a:rPr lang="en-IN" sz="2600" dirty="0"/>
+              <a:rPr lang="en-IN" sz="2600" b="1" dirty="0"/>
               <a:t>Device (Hardware)</a:t>
             </a:r>
           </a:p>
@@ -7957,7 +7944,7 @@
           <a:p>
             <a:pPr lvl="1"/>
             <a:r>
-              <a:rPr lang="en-IN" sz="2600" dirty="0"/>
+              <a:rPr lang="en-IN" sz="2600" b="1" dirty="0"/>
               <a:t>Device Controller (Hardware)</a:t>
             </a:r>
           </a:p>
@@ -8005,7 +7992,7 @@
           <a:p>
             <a:pPr lvl="1"/>
             <a:r>
-              <a:rPr lang="en-IN" sz="2600" dirty="0"/>
+              <a:rPr lang="en-IN" sz="2600" b="1" dirty="0"/>
               <a:t>Device driver (Software)</a:t>
             </a:r>
           </a:p>
@@ -8170,7 +8157,7 @@
         </p:blipFill>
         <p:spPr bwMode="auto">
           <a:xfrm>
-            <a:off x="457199" y="304800"/>
+            <a:off x="457200" y="1066800"/>
             <a:ext cx="7677761" cy="6096000"/>
           </a:xfrm>
           <a:prstGeom prst="rect">
@@ -8926,102 +8913,108 @@
         </p:spPr>
         <p:txBody>
           <a:bodyPr>
-            <a:normAutofit fontScale="92500" lnSpcReduction="20000"/>
+            <a:normAutofit/>
           </a:bodyPr>
           <a:lstStyle/>
           <a:p>
-            <a:r>
-              <a:rPr lang="en-IN" dirty="0"/>
-              <a:t>User View – Types of Users</a:t>
+            <a:pPr marL="0" indent="0">
+              <a:buNone/>
+            </a:pPr>
+            <a:r>
+              <a:rPr lang="en-IN" b="1" dirty="0"/>
+              <a:t>User View – Types of User</a:t>
             </a:r>
           </a:p>
           <a:p>
             <a:pPr lvl="1"/>
             <a:r>
-              <a:rPr lang="en-IN" dirty="0"/>
+              <a:rPr lang="en-IN" sz="1900" dirty="0"/>
               <a:t>Application User / End User	</a:t>
             </a:r>
           </a:p>
           <a:p>
             <a:pPr lvl="2"/>
             <a:r>
-              <a:rPr lang="en-IN" dirty="0"/>
+              <a:rPr lang="en-IN" sz="1900" dirty="0"/>
               <a:t>people who use (or run) application or system programs</a:t>
             </a:r>
           </a:p>
           <a:p>
+            <a:pPr lvl="2"/>
+            <a:r>
+              <a:rPr lang="en-IN" sz="1900" dirty="0"/>
+              <a:t>expect a quick, reliable response (to keystrokes or mouse movement</a:t>
+            </a:r>
+          </a:p>
+          <a:p>
+            <a:pPr lvl="1"/>
+            <a:r>
+              <a:rPr lang="en-IN" sz="1900" dirty="0"/>
+              <a:t>Application Programmers</a:t>
+            </a:r>
+          </a:p>
+          <a:p>
+            <a:pPr lvl="2"/>
+            <a:r>
+              <a:rPr lang="en-IN" sz="1900" dirty="0"/>
+              <a:t>people who write application programs</a:t>
+            </a:r>
+          </a:p>
+          <a:p>
+            <a:pPr lvl="2"/>
+            <a:r>
+              <a:rPr lang="en-IN" sz="1900" dirty="0"/>
+              <a:t>system calls or an API (application program interface)</a:t>
+            </a:r>
+          </a:p>
+          <a:p>
+            <a:pPr marL="0" indent="0">
+              <a:buNone/>
+            </a:pPr>
+            <a:r>
+              <a:rPr lang="en-IN" b="1" dirty="0"/>
+              <a:t>System View –Types of Users</a:t>
+            </a:r>
+          </a:p>
+          <a:p>
+            <a:pPr lvl="1"/>
+            <a:r>
+              <a:rPr lang="en-IN" sz="1900" dirty="0"/>
+              <a:t>Systems Programmers</a:t>
+            </a:r>
+          </a:p>
+          <a:p>
+            <a:pPr lvl="2"/>
+            <a:r>
+              <a:rPr lang="en-IN" sz="1900" dirty="0"/>
+              <a:t>these are the people who write software—either programs or components—that is closely tied to the OS.</a:t>
+            </a:r>
+          </a:p>
+          <a:p>
             <a:pPr lvl="3"/>
             <a:r>
-              <a:rPr lang="en-IN" dirty="0"/>
-              <a:t>expect a quick, reliable response (to keystrokes or mouse movement</a:t>
+              <a:rPr lang="en-IN" sz="1900" dirty="0"/>
+              <a:t>have a detailed understanding of the internal functioning of the OS</a:t>
+            </a:r>
+          </a:p>
+          <a:p>
+            <a:pPr lvl="3"/>
+            <a:r>
+              <a:rPr lang="en-IN" sz="1900" dirty="0"/>
+              <a:t>A utility that shows the status of the computer’s network connection or an installable driver for a piece of hardware are examples of systems programs.</a:t>
             </a:r>
           </a:p>
           <a:p>
             <a:pPr lvl="1"/>
             <a:r>
-              <a:rPr lang="en-IN" dirty="0"/>
-              <a:t>Application Programmers</a:t>
+              <a:rPr lang="en-IN" sz="1900" dirty="0"/>
+              <a:t>System Administrators</a:t>
             </a:r>
           </a:p>
           <a:p>
             <a:pPr lvl="2"/>
             <a:r>
-              <a:rPr lang="en-IN" dirty="0"/>
-              <a:t>people who write application programs	</a:t>
-            </a:r>
-          </a:p>
-          <a:p>
-            <a:pPr lvl="3"/>
-            <a:r>
-              <a:rPr lang="en-IN" dirty="0"/>
-              <a:t>system calls or an API (application program interface)</a:t>
-            </a:r>
-          </a:p>
-          <a:p>
-            <a:r>
-              <a:rPr lang="en-IN" dirty="0"/>
-              <a:t>System View –Types of Users</a:t>
-            </a:r>
-          </a:p>
-          <a:p>
-            <a:pPr lvl="1"/>
-            <a:r>
-              <a:rPr lang="en-IN" dirty="0"/>
-              <a:t>Systems Programmers</a:t>
-            </a:r>
-          </a:p>
-          <a:p>
-            <a:pPr lvl="2"/>
-            <a:r>
-              <a:rPr lang="en-IN" dirty="0"/>
-              <a:t>these are the people who write software—either programs or components—that is closely tied to the OS.</a:t>
-            </a:r>
-          </a:p>
-          <a:p>
-            <a:pPr lvl="3"/>
-            <a:r>
-              <a:rPr lang="en-IN" dirty="0"/>
-              <a:t>have a detailed understanding of the internal functioning of the OS</a:t>
-            </a:r>
-          </a:p>
-          <a:p>
-            <a:pPr lvl="3"/>
-            <a:r>
-              <a:rPr lang="en-IN" dirty="0"/>
-              <a:t>A utility that shows the status of the computer’s network connection or an installable driver for a piece of hardware are examples of systems programs.</a:t>
-            </a:r>
-          </a:p>
-          <a:p>
-            <a:pPr lvl="1"/>
-            <a:r>
-              <a:rPr lang="en-IN" dirty="0"/>
-              <a:t>System Administrators</a:t>
-            </a:r>
-          </a:p>
-          <a:p>
-            <a:pPr lvl="2"/>
-            <a:r>
-              <a:rPr lang="en-IN" dirty="0"/>
+              <a:rPr lang="en-IN" sz="1900" dirty="0"/>
               <a:t>people who manage computer facilities, responsible for installing and upgrading the OS, as well as other systems programs and utilities</a:t>
             </a:r>
           </a:p>
@@ -11262,96 +11255,100 @@
             </a:r>
           </a:p>
           <a:p>
-            <a:pPr lvl="1"/>
-            <a:r>
-              <a:rPr lang="en-IN" dirty="0"/>
+            <a:pPr marL="457200" lvl="1" indent="0">
+              <a:buNone/>
+            </a:pPr>
+            <a:r>
+              <a:rPr lang="en-IN" sz="2200" dirty="0"/>
               <a:t>OS will control multiple processes running concurrently</a:t>
             </a:r>
           </a:p>
           <a:p>
             <a:pPr lvl="2"/>
             <a:r>
-              <a:rPr lang="en-IN" dirty="0"/>
+              <a:rPr lang="en-IN" sz="2200" dirty="0"/>
               <a:t>CPU scheduling component is used to choose which of the </a:t>
             </a:r>
             <a:r>
-              <a:rPr lang="en-IN" b="1" dirty="0"/>
+              <a:rPr lang="en-IN" sz="2200" b="1" dirty="0"/>
               <a:t>ready to run</a:t>
             </a:r>
             <a:r>
-              <a:rPr lang="en-IN" dirty="0"/>
+              <a:rPr lang="en-IN" sz="2200" dirty="0"/>
               <a:t> processes to run next</a:t>
             </a:r>
           </a:p>
           <a:p>
             <a:pPr lvl="2"/>
             <a:r>
-              <a:rPr lang="en-IN" dirty="0"/>
+              <a:rPr lang="en-IN" sz="2200" dirty="0"/>
               <a:t>The CPU can switch to run another process while I/O is performed. </a:t>
             </a:r>
           </a:p>
           <a:p>
             <a:pPr lvl="2"/>
             <a:r>
-              <a:rPr lang="en-IN" b="1" dirty="0"/>
+              <a:rPr lang="en-IN" sz="2200" b="1" dirty="0"/>
               <a:t>Context Switching:</a:t>
             </a:r>
             <a:r>
-              <a:rPr lang="en-IN" dirty="0"/>
+              <a:rPr lang="en-IN" sz="2200" dirty="0"/>
               <a:t> Changing from one running  process to run another process is known as </a:t>
             </a:r>
             <a:r>
-              <a:rPr lang="en-IN" b="1" dirty="0"/>
+              <a:rPr lang="en-IN" sz="2200" b="1" dirty="0"/>
               <a:t>context switching</a:t>
             </a:r>
           </a:p>
           <a:p>
             <a:pPr lvl="3"/>
             <a:r>
-              <a:rPr lang="en-IN" dirty="0"/>
+              <a:rPr lang="en-IN" sz="2200" dirty="0"/>
               <a:t>entire CPU state must be saved on process-1’s </a:t>
             </a:r>
             <a:r>
-              <a:rPr lang="en-IN" b="1" dirty="0"/>
+              <a:rPr lang="en-IN" sz="2200" b="1" dirty="0"/>
               <a:t>Process Control Block (PCB)</a:t>
             </a:r>
             <a:r>
-              <a:rPr lang="en-IN" dirty="0"/>
+              <a:rPr lang="en-IN" sz="2200" dirty="0"/>
               <a:t>, execute the process-2 for a stipulated period of time, save the CPU state of process-2 in PCB of 2, switch back to process-1 and resume from stored CPU state by loading PCB-1</a:t>
             </a:r>
           </a:p>
           <a:p>
             <a:pPr lvl="2"/>
             <a:r>
-              <a:rPr lang="en-IN" dirty="0"/>
+              <a:rPr lang="en-IN" sz="2200" dirty="0"/>
               <a:t>Supports both interactive and batch jobs</a:t>
             </a:r>
           </a:p>
           <a:p>
             <a:pPr lvl="3"/>
             <a:r>
-              <a:rPr lang="en-IN" dirty="0"/>
+              <a:rPr lang="en-IN" sz="2200" dirty="0"/>
               <a:t>Interactive jobs are processes that handle a user interacting directly with the computer through mouse, keyboard, video monitor display, and other interactive I/O devices whereas batch jobs do not support user interaction with computers.</a:t>
             </a:r>
           </a:p>
           <a:p>
-            <a:pPr lvl="1"/>
-            <a:r>
-              <a:rPr lang="en-IN" dirty="0"/>
+            <a:pPr marL="457200" lvl="1" indent="0">
+              <a:buNone/>
+            </a:pPr>
+            <a:r>
+              <a:rPr lang="en-IN" sz="2200" b="1" dirty="0"/>
               <a:t>Advantages</a:t>
             </a:r>
           </a:p>
           <a:p>
             <a:pPr lvl="2"/>
             <a:r>
-              <a:rPr lang="en-IN" dirty="0"/>
+              <a:rPr lang="en-IN" sz="2200" dirty="0"/>
               <a:t>Improve processor utilization by keeping the CPU busy while I/O is performed</a:t>
             </a:r>
           </a:p>
           <a:p>
-            <a:pPr lvl="3"/>
-            <a:r>
-              <a:rPr lang="en-IN" dirty="0"/>
+            <a:pPr lvl="2"/>
+            <a:r>
+              <a:rPr lang="en-IN" sz="2200" dirty="0"/>
               <a:t>When a process waiting for I/O, the CPU will execute other process </a:t>
             </a:r>
           </a:p>
@@ -11720,7 +11717,7 @@
           <a:p>
             <a:pPr lvl="1"/>
             <a:r>
-              <a:rPr lang="en-IN" dirty="0"/>
+              <a:rPr lang="en-IN" b="1" dirty="0"/>
               <a:t>Job scheduling</a:t>
             </a:r>
           </a:p>
@@ -11734,7 +11731,7 @@
           <a:p>
             <a:pPr lvl="1"/>
             <a:r>
-              <a:rPr lang="en-IN" dirty="0"/>
+              <a:rPr lang="en-IN" b="1" dirty="0"/>
               <a:t>Memory management</a:t>
             </a:r>
           </a:p>
@@ -11748,7 +11745,7 @@
           <a:p>
             <a:pPr lvl="1"/>
             <a:r>
-              <a:rPr lang="en-IN" dirty="0"/>
+              <a:rPr lang="en-IN" b="1" dirty="0"/>
               <a:t>CPU scheduling</a:t>
             </a:r>
           </a:p>
@@ -11762,7 +11759,7 @@
           <a:p>
             <a:pPr lvl="1"/>
             <a:r>
-              <a:rPr lang="en-IN" dirty="0"/>
+              <a:rPr lang="en-IN" b="1" dirty="0"/>
               <a:t>Allocation of devices</a:t>
             </a:r>
           </a:p>
@@ -12184,80 +12181,93 @@
         <p:spPr>
           <a:xfrm>
             <a:off x="228600" y="228600"/>
-            <a:ext cx="8915400" cy="6400800"/>
+            <a:ext cx="8915400" cy="6172200"/>
           </a:xfrm>
         </p:spPr>
         <p:txBody>
           <a:bodyPr>
-            <a:normAutofit fontScale="77500" lnSpcReduction="20000"/>
+            <a:normAutofit fontScale="85000" lnSpcReduction="10000"/>
           </a:bodyPr>
           <a:lstStyle/>
           <a:p>
+            <a:pPr marL="0" indent="0">
+              <a:buNone/>
+            </a:pPr>
             <a:r>
               <a:rPr lang="en-IN" dirty="0"/>
               <a:t>Clustered System</a:t>
             </a:r>
           </a:p>
           <a:p>
-            <a:pPr lvl="1"/>
-            <a:r>
-              <a:rPr lang="en-IN" dirty="0"/>
-              <a:t>Clustered systems are typically constructed by combining multiple computers into a single system to perform a computational task distributed across the cluster. </a:t>
-            </a:r>
-          </a:p>
-          <a:p>
-            <a:pPr lvl="1"/>
-            <a:endParaRPr lang="en-IN" dirty="0"/>
-          </a:p>
-          <a:p>
-            <a:pPr lvl="1"/>
-            <a:r>
-              <a:rPr lang="en-IN" dirty="0"/>
-              <a:t>Multiprocessor systems on the other hand could be a single physical entity comprising of multiple CPUs.</a:t>
-            </a:r>
-          </a:p>
-          <a:p>
-            <a:pPr lvl="1"/>
-            <a:endParaRPr lang="en-IN" dirty="0"/>
-          </a:p>
-          <a:p>
-            <a:pPr lvl="1"/>
-            <a:r>
-              <a:rPr lang="en-IN" dirty="0"/>
-              <a:t>A clustered system is less tightly coupled than a multiprocessor system. </a:t>
-            </a:r>
-          </a:p>
-          <a:p>
-            <a:pPr lvl="1"/>
-            <a:endParaRPr lang="en-IN" dirty="0"/>
-          </a:p>
-          <a:p>
-            <a:pPr lvl="1"/>
-            <a:r>
-              <a:rPr lang="en-IN" dirty="0"/>
-              <a:t>Clustered systems communicate using messages, while processors in a multiprocessor system could communicate using shared memory.</a:t>
-            </a:r>
-          </a:p>
-          <a:p>
-            <a:pPr lvl="1"/>
-            <a:endParaRPr lang="en-IN" dirty="0"/>
-          </a:p>
-          <a:p>
-            <a:pPr lvl="1"/>
-            <a:r>
-              <a:rPr lang="en-IN" dirty="0"/>
-              <a:t>In order for two machines to provide a highly available service, the state on the two machines should be replicated and should be consistently updated.</a:t>
-            </a:r>
-          </a:p>
-          <a:p>
-            <a:pPr lvl="1"/>
-            <a:endParaRPr lang="en-IN" dirty="0"/>
-          </a:p>
-          <a:p>
-            <a:pPr lvl="1"/>
-            <a:r>
-              <a:rPr lang="en-IN" dirty="0"/>
-              <a:t>When one of the machines fail, the other could then take-over the functionality of the failed machine.</a:t>
+            <a:pPr marL="457200" lvl="1" indent="0">
+              <a:buNone/>
+            </a:pPr>
+            <a:r>
+              <a:rPr lang="en-IN" sz="2600" dirty="0"/>
+              <a:t>* Clustered systems are typically constructed by combining multiple computers into a single system to perform a computational task distributed across the cluster. </a:t>
+            </a:r>
+          </a:p>
+          <a:p>
+            <a:pPr marL="457200" lvl="1" indent="0">
+              <a:buNone/>
+            </a:pPr>
+            <a:r>
+              <a:rPr lang="en-IN" sz="2600" dirty="0"/>
+              <a:t>* Multiprocessor systems on the other hand could be a single physical entity comprising of multiple CPUs.</a:t>
+            </a:r>
+          </a:p>
+          <a:p>
+            <a:pPr marL="457200" lvl="1" indent="0">
+              <a:buNone/>
+            </a:pPr>
+            <a:endParaRPr lang="en-IN" sz="2600" dirty="0"/>
+          </a:p>
+          <a:p>
+            <a:pPr marL="457200" lvl="1" indent="0">
+              <a:buNone/>
+            </a:pPr>
+            <a:r>
+              <a:rPr lang="en-IN" sz="2600" dirty="0"/>
+              <a:t>* A clustered system is less tightly coupled than a multiprocessor system. </a:t>
+            </a:r>
+          </a:p>
+          <a:p>
+            <a:pPr marL="457200" lvl="1" indent="0">
+              <a:buNone/>
+            </a:pPr>
+            <a:endParaRPr lang="en-IN" sz="2600" dirty="0"/>
+          </a:p>
+          <a:p>
+            <a:pPr marL="457200" lvl="1" indent="0">
+              <a:buNone/>
+            </a:pPr>
+            <a:r>
+              <a:rPr lang="en-IN" sz="2600" dirty="0"/>
+              <a:t>* Clustered systems communicate using messages, while processors in a multiprocessor system could communicate using shared memory.</a:t>
+            </a:r>
+          </a:p>
+          <a:p>
+            <a:pPr marL="457200" lvl="1" indent="0">
+              <a:buNone/>
+            </a:pPr>
+            <a:endParaRPr lang="en-IN" sz="2600" dirty="0"/>
+          </a:p>
+          <a:p>
+            <a:pPr marL="457200" lvl="1" indent="0">
+              <a:buNone/>
+            </a:pPr>
+            <a:r>
+              <a:rPr lang="en-IN" sz="2600" dirty="0"/>
+              <a:t>* In order for two machines to provide a highly available service, the state on the two machines should be replicated and should be consistently updated.</a:t>
+            </a:r>
+          </a:p>
+          <a:p>
+            <a:pPr marL="457200" lvl="1" indent="0">
+              <a:buNone/>
+            </a:pPr>
+            <a:r>
+              <a:rPr lang="en-IN" sz="2600" dirty="0"/>
+              <a:t>* When one of the machines fail, the other could then take-over the functionality of the failed machine.</a:t>
             </a:r>
           </a:p>
           <a:p>
@@ -12478,15 +12488,15 @@
               </a:lnSpc>
             </a:pPr>
             <a:r>
-              <a:rPr lang="en-US" sz="2000"/>
+              <a:rPr lang="en-US" sz="2000" dirty="0"/>
               <a:t>a. </a:t>
             </a:r>
             <a:r>
-              <a:rPr lang="en-US" sz="2000" b="1"/>
+              <a:rPr lang="en-US" sz="2000" b="1" dirty="0"/>
               <a:t>Batch</a:t>
             </a:r>
             <a:r>
-              <a:rPr lang="en-US" sz="2000"/>
+              <a:rPr lang="en-US" sz="2000" dirty="0"/>
               <a:t>. Jobs with similar needs are batched together and run through the computer as a group by an operator or automatic job sequencer. Performance is increased by attempting to keep CPU and I/O devices busy at all times through buffering, off-line operation, spooling, and multiprogramming. Batch is good for executing large jobs that need little interaction; it can be submitted and picked up later.</a:t>
             </a:r>
           </a:p>
@@ -12496,7 +12506,7 @@
                 <a:spcPct val="80000"/>
               </a:lnSpc>
             </a:pPr>
-            <a:endParaRPr lang="en-US" sz="2000"/>
+            <a:endParaRPr lang="en-US" sz="2000" dirty="0"/>
           </a:p>
           <a:p>
             <a:pPr>
@@ -12505,15 +12515,15 @@
               </a:lnSpc>
             </a:pPr>
             <a:r>
-              <a:rPr lang="en-US" sz="2000"/>
+              <a:rPr lang="en-US" sz="2000" dirty="0"/>
               <a:t>b. </a:t>
             </a:r>
             <a:r>
-              <a:rPr lang="en-US" sz="2000" b="1"/>
+              <a:rPr lang="en-US" sz="2000" b="1" dirty="0"/>
               <a:t>Interactive</a:t>
             </a:r>
             <a:r>
-              <a:rPr lang="en-US" sz="2000"/>
+              <a:rPr lang="en-US" sz="2000" dirty="0"/>
               <a:t>. This system is composed of many short transactions where the results of the next transaction may be unpredictable. Response time needs to be short (seconds) since the user submits and waits for the result.</a:t>
             </a:r>
           </a:p>
@@ -12523,7 +12533,7 @@
                 <a:spcPct val="80000"/>
               </a:lnSpc>
             </a:pPr>
-            <a:endParaRPr lang="en-US" sz="2000"/>
+            <a:endParaRPr lang="en-US" sz="2000" dirty="0"/>
           </a:p>
           <a:p>
             <a:pPr>
@@ -12532,15 +12542,15 @@
               </a:lnSpc>
             </a:pPr>
             <a:r>
-              <a:rPr lang="en-US" sz="2000"/>
+              <a:rPr lang="en-US" sz="2000" dirty="0"/>
               <a:t>c. </a:t>
             </a:r>
             <a:r>
-              <a:rPr lang="en-US" sz="2000" b="1"/>
+              <a:rPr lang="en-US" sz="2000" b="1" dirty="0"/>
               <a:t>Time sharing</a:t>
             </a:r>
             <a:r>
-              <a:rPr lang="en-US" sz="2000"/>
+              <a:rPr lang="en-US" sz="2000" dirty="0"/>
               <a:t>. This systems uses CPU scheduling and multiprogramming to provide economical interactive use of a system. The CPU switches rapidly from one user to another. Instead of having a job defined by spooled card images, each program reads its next control card from the terminal, and output is normally printed immediately to the screen.</a:t>
             </a:r>
           </a:p>
@@ -12616,12 +12626,12 @@
         <p:spPr>
           <a:xfrm>
             <a:off x="0" y="1052736"/>
-            <a:ext cx="8458200" cy="4572000"/>
+            <a:ext cx="9067800" cy="4967064"/>
           </a:xfrm>
         </p:spPr>
         <p:txBody>
           <a:bodyPr>
-            <a:normAutofit lnSpcReduction="10000"/>
+            <a:noAutofit/>
           </a:bodyPr>
           <a:lstStyle/>
           <a:p>
@@ -12631,27 +12641,13 @@
               </a:lnSpc>
             </a:pPr>
             <a:r>
-              <a:rPr lang="en-US" sz="1800" dirty="0"/>
-              <a:t>d. </a:t>
-            </a:r>
-            <a:r>
-              <a:rPr lang="en-US" sz="1800" b="1" dirty="0"/>
-              <a:t>Real time</a:t>
-            </a:r>
-            <a:r>
-              <a:rPr lang="en-US" sz="1800" dirty="0"/>
+              <a:rPr lang="en-US" sz="2000" b="1" dirty="0"/>
+              <a:t>D) Real time</a:t>
+            </a:r>
+            <a:r>
+              <a:rPr lang="en-US" sz="2000" dirty="0"/>
               <a:t>. Often used in a dedicated application, this system reads information from sensors and must respond within a fixed amount of time to ensure correct performance.</a:t>
             </a:r>
-          </a:p>
-          <a:p>
-            <a:pPr>
-              <a:lnSpc>
-                <a:spcPct val="80000"/>
-              </a:lnSpc>
-              <a:buFontTx/>
-              <a:buNone/>
-            </a:pPr>
-            <a:endParaRPr lang="en-US" sz="1800" dirty="0"/>
           </a:p>
           <a:p>
             <a:pPr>
@@ -12660,27 +12656,13 @@
               </a:lnSpc>
             </a:pPr>
             <a:r>
-              <a:rPr lang="en-US" sz="1800" dirty="0"/>
-              <a:t>e. </a:t>
-            </a:r>
-            <a:r>
-              <a:rPr lang="en-US" sz="1800" b="1" dirty="0"/>
-              <a:t>Network</a:t>
-            </a:r>
-            <a:r>
-              <a:rPr lang="en-US" sz="1800" dirty="0"/>
+              <a:rPr lang="en-US" sz="2000" b="1" dirty="0"/>
+              <a:t>E) Network</a:t>
+            </a:r>
+            <a:r>
+              <a:rPr lang="en-US" sz="2000" dirty="0"/>
               <a:t>. Provides operating system features across a network such as file sharing.</a:t>
             </a:r>
-          </a:p>
-          <a:p>
-            <a:pPr>
-              <a:lnSpc>
-                <a:spcPct val="80000"/>
-              </a:lnSpc>
-              <a:buFontTx/>
-              <a:buNone/>
-            </a:pPr>
-            <a:endParaRPr lang="en-US" sz="1800" dirty="0"/>
           </a:p>
           <a:p>
             <a:pPr>
@@ -12689,27 +12671,13 @@
               </a:lnSpc>
             </a:pPr>
             <a:r>
-              <a:rPr lang="en-US" sz="1800" dirty="0"/>
-              <a:t>f. </a:t>
-            </a:r>
-            <a:r>
-              <a:rPr lang="en-US" sz="1800" b="1" dirty="0"/>
-              <a:t>SMP</a:t>
-            </a:r>
-            <a:r>
-              <a:rPr lang="en-US" sz="1800" dirty="0"/>
-              <a:t>. Used in systems where there are multiple CPU’s each running the same copy of the operating system. Communication takes place across the system bus.</a:t>
-            </a:r>
-          </a:p>
-          <a:p>
-            <a:pPr>
-              <a:lnSpc>
-                <a:spcPct val="80000"/>
-              </a:lnSpc>
-              <a:buFontTx/>
-              <a:buNone/>
-            </a:pPr>
-            <a:endParaRPr lang="en-US" sz="1800" dirty="0"/>
+              <a:rPr lang="en-US" sz="2000" b="1" dirty="0"/>
+              <a:t>F) SMP. </a:t>
+            </a:r>
+            <a:r>
+              <a:rPr lang="en-US" sz="2000" dirty="0"/>
+              <a:t>Used in systems where there are multiple CPU’s each running the same copy of the operating system. Communication takes place across the system bus.</a:t>
+            </a:r>
           </a:p>
           <a:p>
             <a:pPr>
@@ -12718,15 +12686,11 @@
               </a:lnSpc>
             </a:pPr>
             <a:r>
-              <a:rPr lang="en-US" sz="1800" dirty="0"/>
-              <a:t>g. </a:t>
-            </a:r>
-            <a:r>
-              <a:rPr lang="en-US" sz="1800" b="1" dirty="0"/>
-              <a:t>Distributed</a:t>
-            </a:r>
-            <a:r>
-              <a:rPr lang="en-US" sz="1800" dirty="0"/>
+              <a:rPr lang="en-US" sz="2000" b="1" dirty="0"/>
+              <a:t>G) Distributed</a:t>
+            </a:r>
+            <a:r>
+              <a:rPr lang="en-US" sz="2000" dirty="0"/>
               <a:t>. This system distributes computation among several physical processors. The processors do not share memory or a clock. Instead, each processor has its own local memory. They communicate with each other through various communication lines, such as a high-speed bus or local area network.</a:t>
             </a:r>
           </a:p>
@@ -12737,15 +12701,11 @@
               </a:lnSpc>
             </a:pPr>
             <a:r>
-              <a:rPr lang="en-US" sz="1800" dirty="0"/>
-              <a:t>h. </a:t>
-            </a:r>
-            <a:r>
-              <a:rPr lang="en-US" sz="1800" b="1" dirty="0"/>
-              <a:t>Clustered</a:t>
-            </a:r>
-            <a:r>
-              <a:rPr lang="en-US" sz="1800" dirty="0"/>
+              <a:rPr lang="en-US" sz="2000" b="1" dirty="0"/>
+              <a:t>H) Clustered</a:t>
+            </a:r>
+            <a:r>
+              <a:rPr lang="en-US" sz="2000" dirty="0"/>
               <a:t>. A clustered system combines multiple computers into a single system to perform computational task distributed across the cluster.</a:t>
             </a:r>
           </a:p>
@@ -12755,28 +12715,12 @@
                 <a:spcPct val="80000"/>
               </a:lnSpc>
             </a:pPr>
-            <a:endParaRPr lang="en-US" sz="1800" dirty="0"/>
-          </a:p>
-          <a:p>
-            <a:pPr>
-              <a:lnSpc>
-                <a:spcPct val="80000"/>
-              </a:lnSpc>
-            </a:pPr>
-            <a:r>
-              <a:rPr lang="en-US" sz="1800" dirty="0" err="1"/>
-              <a:t>i</a:t>
-            </a:r>
-            <a:r>
-              <a:rPr lang="en-US" sz="1800" dirty="0"/>
-              <a:t>. </a:t>
-            </a:r>
-            <a:r>
-              <a:rPr lang="en-US" sz="1800" b="1" dirty="0"/>
-              <a:t>Handheld</a:t>
-            </a:r>
-            <a:r>
-              <a:rPr lang="en-US" sz="1800" dirty="0"/>
+            <a:r>
+              <a:rPr lang="en-US" sz="2000" b="1" dirty="0"/>
+              <a:t>I) Handheld</a:t>
+            </a:r>
+            <a:r>
+              <a:rPr lang="en-US" sz="2000" dirty="0"/>
               <a:t>. A small computer system that performs simple tasks such as calendars, email, and web browsing. Handheld systems differ from traditional desktop systems with smaller memory and display screens and slower processors.</a:t>
             </a:r>
           </a:p>
@@ -14845,20 +14789,14 @@
         </p:spPr>
         <p:txBody>
           <a:bodyPr>
-            <a:normAutofit fontScale="90000"/>
+            <a:normAutofit/>
           </a:bodyPr>
           <a:lstStyle/>
           <a:p>
-            <a:r>
-              <a:rPr lang="en-US" sz="3200"/>
-              <a:t>Operating System Services/</a:t>
-            </a:r>
-            <a:br>
-              <a:rPr lang="en-US" sz="3200"/>
-            </a:br>
-            <a:r>
-              <a:rPr lang="en-US" sz="3200"/>
-              <a:t>Functionality</a:t>
+            <a:pPr algn="l"/>
+            <a:r>
+              <a:rPr lang="en-US" sz="3200" dirty="0"/>
+              <a:t>		Operating System Functionality</a:t>
             </a:r>
           </a:p>
         </p:txBody>
@@ -14876,7 +14814,7 @@
         <p:spPr>
           <a:xfrm>
             <a:off x="31998" y="1196752"/>
-            <a:ext cx="8239125" cy="4865688"/>
+            <a:ext cx="8959602" cy="5280248"/>
           </a:xfrm>
           <a:noFill/>
         </p:spPr>
@@ -14903,7 +14841,7 @@
           <a:p>
             <a:pPr lvl="2"/>
             <a:r>
-              <a:rPr lang="en-US" dirty="0"/>
+              <a:rPr lang="en-US" sz="2000" dirty="0"/>
               <a:t>Varies between Command-Line (CLI), Graphics User Interface (GUI)</a:t>
             </a:r>
           </a:p>
@@ -15018,7 +14956,7 @@
         </p:spPr>
         <p:txBody>
           <a:bodyPr>
-            <a:normAutofit lnSpcReduction="10000"/>
+            <a:normAutofit/>
           </a:bodyPr>
           <a:lstStyle/>
           <a:p>
@@ -15034,55 +14972,58 @@
               <a:rPr lang="en-US" sz="2000" dirty="0"/>
               <a:t>):</a:t>
             </a:r>
-            <a:endParaRPr lang="en-US" dirty="0"/>
           </a:p>
           <a:p>
             <a:pPr lvl="1"/>
             <a:r>
-              <a:rPr lang="en-US" b="1" dirty="0"/>
-              <a:t>Communications </a:t>
-            </a:r>
-            <a:r>
-              <a:rPr lang="en-US" dirty="0"/>
+              <a:rPr lang="en-US" sz="2400" b="1" dirty="0"/>
+              <a:t>Communications</a:t>
+            </a:r>
+            <a:r>
+              <a:rPr lang="en-US" sz="2000" b="1" dirty="0"/>
+              <a:t> </a:t>
+            </a:r>
+            <a:r>
+              <a:rPr lang="en-US" sz="2000" dirty="0"/>
               <a:t>– Processes may exchange information, on the same computer or between computers over a network</a:t>
             </a:r>
           </a:p>
           <a:p>
             <a:pPr lvl="2"/>
             <a:r>
-              <a:rPr lang="en-US" dirty="0"/>
+              <a:rPr lang="en-US" sz="2000" dirty="0"/>
               <a:t>Communications may be via shared memory or through message passing (packets moved by the OS)</a:t>
             </a:r>
           </a:p>
           <a:p>
             <a:pPr lvl="1"/>
             <a:r>
-              <a:rPr lang="en-US" b="1" dirty="0"/>
+              <a:rPr lang="en-US" sz="2400" b="1" dirty="0"/>
               <a:t>Error detection </a:t>
             </a:r>
             <a:r>
-              <a:rPr lang="en-US" dirty="0"/>
+              <a:rPr lang="en-US" sz="2000" dirty="0"/>
               <a:t>– OS needs to be constantly aware of possible errors</a:t>
             </a:r>
           </a:p>
           <a:p>
             <a:pPr lvl="2"/>
             <a:r>
-              <a:rPr lang="en-US" dirty="0"/>
+              <a:rPr lang="en-US" sz="2000" dirty="0"/>
               <a:t>May occur in the CPU and memory hardware, in I/O devices, in user program</a:t>
             </a:r>
           </a:p>
           <a:p>
             <a:pPr lvl="2"/>
             <a:r>
-              <a:rPr lang="en-US" dirty="0"/>
+              <a:rPr lang="en-US" sz="2000" dirty="0"/>
               <a:t>For each type of error, OS should take the appropriate action to ensure correct and consistent computing</a:t>
             </a:r>
           </a:p>
           <a:p>
             <a:pPr lvl="2"/>
             <a:r>
-              <a:rPr lang="en-US" dirty="0"/>
+              <a:rPr lang="en-US" sz="2000" dirty="0"/>
               <a:t>Debugging facilities can greatly enhance the user’s and programmer’s abilities to efficiently use the system</a:t>
             </a:r>
           </a:p>
